--- a/Fruitvliegen_week7.pptx
+++ b/Fruitvliegen_week7.pptx
@@ -110,6 +110,11 @@
       </a:defRPr>
     </a:lvl9pPr>
   </p:defaultTextStyle>
+  <p:extLst>
+    <p:ext uri="{EFAFB233-063F-42B5-8137-9DF3F51BA10A}">
+      <p15:sldGuideLst xmlns:p15="http://schemas.microsoft.com/office/powerpoint/2012/main"/>
+    </p:ext>
+  </p:extLst>
 </p:presentation>
 </file>
 
@@ -4111,7 +4116,45 @@
                   <a:schemeClr val="bg1"/>
                 </a:solidFill>
               </a:rPr>
-              <a:t>Verder met genomen met beste score</a:t>
+              <a:t>Verder met genomen met beste </a:t>
+            </a:r>
+            <a:r>
+              <a:rPr lang="nl-NL" dirty="0" smtClean="0">
+                <a:solidFill>
+                  <a:schemeClr val="bg1"/>
+                </a:solidFill>
+              </a:rPr>
+              <a:t>score</a:t>
+            </a:r>
+          </a:p>
+          <a:p>
+            <a:r>
+              <a:rPr lang="nl-NL" dirty="0" smtClean="0">
+                <a:solidFill>
+                  <a:schemeClr val="bg1"/>
+                </a:solidFill>
+              </a:rPr>
+              <a:t>Hoe bepaal je de beste score?</a:t>
+            </a:r>
+          </a:p>
+          <a:p>
+            <a:endParaRPr lang="nl-NL" dirty="0" smtClean="0">
+              <a:solidFill>
+                <a:schemeClr val="bg1"/>
+              </a:solidFill>
+            </a:endParaRPr>
+          </a:p>
+          <a:p>
+            <a:pPr marL="0" indent="0">
+              <a:buNone/>
+            </a:pPr>
+            <a:r>
+              <a:rPr lang="nl-NL" dirty="0" smtClean="0">
+                <a:solidFill>
+                  <a:schemeClr val="bg1"/>
+                </a:solidFill>
+              </a:rPr>
+              <a:t>Momenteel:</a:t>
             </a:r>
             <a:endParaRPr lang="nl-NL" dirty="0">
               <a:solidFill>
@@ -4119,6 +4162,24 @@
               </a:solidFill>
             </a:endParaRPr>
           </a:p>
+          <a:p>
+            <a:pPr marL="0" indent="0">
+              <a:buNone/>
+            </a:pPr>
+            <a:r>
+              <a:rPr lang="nl-NL" dirty="0" smtClean="0">
+                <a:solidFill>
+                  <a:schemeClr val="bg1"/>
+                </a:solidFill>
+              </a:rPr>
+              <a:t>Totale Chunk grote / aantal verschillende elementen</a:t>
+            </a:r>
+            <a:endParaRPr lang="nl-NL" dirty="0">
+              <a:solidFill>
+                <a:schemeClr val="bg1"/>
+              </a:solidFill>
+            </a:endParaRPr>
+          </a:p>
         </p:txBody>
       </p:sp>
       <p:sp>
@@ -4129,8 +4190,8 @@
         </p:nvSpPr>
         <p:spPr>
           <a:xfrm>
-            <a:off x="9069355" y="4357396"/>
-            <a:ext cx="2873828" cy="2031325"/>
+            <a:off x="8057072" y="1406107"/>
+            <a:ext cx="4054415" cy="4401205"/>
           </a:xfrm>
           <a:prstGeom prst="rect">
             <a:avLst/>
@@ -4145,7 +4206,7 @@
           <a:p>
             <a:pPr algn="ctr"/>
             <a:r>
-              <a:rPr lang="nl-NL" dirty="0" smtClean="0">
+              <a:rPr lang="nl-NL" sz="4000" dirty="0" smtClean="0">
                 <a:solidFill>
                   <a:schemeClr val="bg1"/>
                 </a:solidFill>
@@ -4156,7 +4217,7 @@
           <a:p>
             <a:pPr algn="ctr"/>
             <a:r>
-              <a:rPr lang="nl-NL" dirty="0" smtClean="0">
+              <a:rPr lang="nl-NL" sz="4000" dirty="0" smtClean="0">
                 <a:solidFill>
                   <a:srgbClr val="FF0000"/>
                 </a:solidFill>
@@ -4167,7 +4228,7 @@
           <a:p>
             <a:pPr algn="ctr"/>
             <a:r>
-              <a:rPr lang="nl-NL" dirty="0" smtClean="0">
+              <a:rPr lang="nl-NL" sz="4000" dirty="0" smtClean="0">
                 <a:solidFill>
                   <a:schemeClr val="bg1"/>
                 </a:solidFill>
@@ -4178,7 +4239,7 @@
           <a:p>
             <a:pPr algn="ctr"/>
             <a:r>
-              <a:rPr lang="nl-NL" dirty="0" smtClean="0">
+              <a:rPr lang="nl-NL" sz="4000" dirty="0" smtClean="0">
                 <a:solidFill>
                   <a:srgbClr val="FF0000"/>
                 </a:solidFill>
@@ -4189,7 +4250,7 @@
           <a:p>
             <a:pPr algn="ctr"/>
             <a:r>
-              <a:rPr lang="nl-NL" dirty="0" smtClean="0">
+              <a:rPr lang="nl-NL" sz="4000" dirty="0" smtClean="0">
                 <a:solidFill>
                   <a:schemeClr val="bg1"/>
                 </a:solidFill>
@@ -4200,7 +4261,7 @@
           <a:p>
             <a:pPr algn="ctr"/>
             <a:r>
-              <a:rPr lang="nl-NL" dirty="0" smtClean="0">
+              <a:rPr lang="nl-NL" sz="4000" dirty="0" smtClean="0">
                 <a:solidFill>
                   <a:srgbClr val="FF0000"/>
                 </a:solidFill>
@@ -4211,14 +4272,14 @@
           <a:p>
             <a:pPr algn="ctr"/>
             <a:r>
-              <a:rPr lang="nl-NL" dirty="0" smtClean="0">
+              <a:rPr lang="nl-NL" sz="4000" dirty="0" smtClean="0">
                 <a:solidFill>
                   <a:schemeClr val="bg1"/>
                 </a:solidFill>
               </a:rPr>
               <a:t>27.000.000</a:t>
             </a:r>
-            <a:endParaRPr lang="nl-NL" dirty="0">
+            <a:endParaRPr lang="nl-NL" sz="4000" dirty="0">
               <a:solidFill>
                 <a:schemeClr val="bg1"/>
               </a:solidFill>

--- a/Fruitvliegen_week7.pptx
+++ b/Fruitvliegen_week7.pptx
@@ -1,6 +1,6 @@
 
 <file path=ppt/presentation.xml><?xml version="1.0" encoding="utf-8"?>
-<p:presentation xmlns:a="http://schemas.openxmlformats.org/drawingml/2006/main" xmlns:r="http://schemas.openxmlformats.org/officeDocument/2006/relationships" xmlns:p="http://schemas.openxmlformats.org/presentationml/2006/main" saveSubsetFonts="1">
+<p:presentation xmlns:a="http://schemas.openxmlformats.org/drawingml/2006/main" xmlns:r="http://schemas.openxmlformats.org/officeDocument/2006/relationships" xmlns:p="http://schemas.openxmlformats.org/presentationml/2006/main" embedTrueTypeFonts="1" saveSubsetFonts="1">
   <p:sldMasterIdLst>
     <p:sldMasterId id="2147483648" r:id="rId1"/>
   </p:sldMasterIdLst>
@@ -15,6 +15,20 @@
   </p:sldIdLst>
   <p:sldSz cx="12192000" cy="6858000"/>
   <p:notesSz cx="6858000" cy="9144000"/>
+  <p:embeddedFontLst>
+    <p:embeddedFont>
+      <p:font typeface="Calibri Light" pitchFamily="34" charset="0"/>
+      <p:regular r:id="rId9"/>
+      <p:italic r:id="rId10"/>
+    </p:embeddedFont>
+    <p:embeddedFont>
+      <p:font typeface="Calibri" pitchFamily="34" charset="0"/>
+      <p:regular r:id="rId11"/>
+      <p:bold r:id="rId12"/>
+      <p:italic r:id="rId13"/>
+      <p:boldItalic r:id="rId14"/>
+    </p:embeddedFont>
+  </p:embeddedFontLst>
   <p:defaultTextStyle>
     <a:defPPr>
       <a:defRPr lang="nl-NL"/>
@@ -112,7 +126,7 @@
   </p:defaultTextStyle>
   <p:extLst>
     <p:ext uri="{EFAFB233-063F-42B5-8137-9DF3F51BA10A}">
-      <p15:sldGuideLst xmlns:p15="http://schemas.microsoft.com/office/powerpoint/2012/main"/>
+      <p15:sldGuideLst xmlns:p15="http://schemas.microsoft.com/office/powerpoint/2012/main" xmlns=""/>
     </p:ext>
   </p:extLst>
 </p:presentation>
@@ -249,7 +263,7 @@
           <a:p>
             <a:fld id="{65DD7160-2520-4656-BE52-5DA2AE0F832B}" type="datetimeFigureOut">
               <a:rPr lang="nl-NL" smtClean="0"/>
-              <a:t>10-12-2015</a:t>
+              <a:t>11-12-2015</a:t>
             </a:fld>
             <a:endParaRPr lang="nl-NL"/>
           </a:p>
@@ -419,7 +433,7 @@
           <a:p>
             <a:fld id="{65DD7160-2520-4656-BE52-5DA2AE0F832B}" type="datetimeFigureOut">
               <a:rPr lang="nl-NL" smtClean="0"/>
-              <a:t>10-12-2015</a:t>
+              <a:t>11-12-2015</a:t>
             </a:fld>
             <a:endParaRPr lang="nl-NL"/>
           </a:p>
@@ -599,7 +613,7 @@
           <a:p>
             <a:fld id="{65DD7160-2520-4656-BE52-5DA2AE0F832B}" type="datetimeFigureOut">
               <a:rPr lang="nl-NL" smtClean="0"/>
-              <a:t>10-12-2015</a:t>
+              <a:t>11-12-2015</a:t>
             </a:fld>
             <a:endParaRPr lang="nl-NL"/>
           </a:p>
@@ -769,7 +783,7 @@
           <a:p>
             <a:fld id="{65DD7160-2520-4656-BE52-5DA2AE0F832B}" type="datetimeFigureOut">
               <a:rPr lang="nl-NL" smtClean="0"/>
-              <a:t>10-12-2015</a:t>
+              <a:t>11-12-2015</a:t>
             </a:fld>
             <a:endParaRPr lang="nl-NL"/>
           </a:p>
@@ -1015,7 +1029,7 @@
           <a:p>
             <a:fld id="{65DD7160-2520-4656-BE52-5DA2AE0F832B}" type="datetimeFigureOut">
               <a:rPr lang="nl-NL" smtClean="0"/>
-              <a:t>10-12-2015</a:t>
+              <a:t>11-12-2015</a:t>
             </a:fld>
             <a:endParaRPr lang="nl-NL"/>
           </a:p>
@@ -1247,7 +1261,7 @@
           <a:p>
             <a:fld id="{65DD7160-2520-4656-BE52-5DA2AE0F832B}" type="datetimeFigureOut">
               <a:rPr lang="nl-NL" smtClean="0"/>
-              <a:t>10-12-2015</a:t>
+              <a:t>11-12-2015</a:t>
             </a:fld>
             <a:endParaRPr lang="nl-NL"/>
           </a:p>
@@ -1614,7 +1628,7 @@
           <a:p>
             <a:fld id="{65DD7160-2520-4656-BE52-5DA2AE0F832B}" type="datetimeFigureOut">
               <a:rPr lang="nl-NL" smtClean="0"/>
-              <a:t>10-12-2015</a:t>
+              <a:t>11-12-2015</a:t>
             </a:fld>
             <a:endParaRPr lang="nl-NL"/>
           </a:p>
@@ -1732,7 +1746,7 @@
           <a:p>
             <a:fld id="{65DD7160-2520-4656-BE52-5DA2AE0F832B}" type="datetimeFigureOut">
               <a:rPr lang="nl-NL" smtClean="0"/>
-              <a:t>10-12-2015</a:t>
+              <a:t>11-12-2015</a:t>
             </a:fld>
             <a:endParaRPr lang="nl-NL"/>
           </a:p>
@@ -1827,7 +1841,7 @@
           <a:p>
             <a:fld id="{65DD7160-2520-4656-BE52-5DA2AE0F832B}" type="datetimeFigureOut">
               <a:rPr lang="nl-NL" smtClean="0"/>
-              <a:t>10-12-2015</a:t>
+              <a:t>11-12-2015</a:t>
             </a:fld>
             <a:endParaRPr lang="nl-NL"/>
           </a:p>
@@ -2104,7 +2118,7 @@
           <a:p>
             <a:fld id="{65DD7160-2520-4656-BE52-5DA2AE0F832B}" type="datetimeFigureOut">
               <a:rPr lang="nl-NL" smtClean="0"/>
-              <a:t>10-12-2015</a:t>
+              <a:t>11-12-2015</a:t>
             </a:fld>
             <a:endParaRPr lang="nl-NL"/>
           </a:p>
@@ -2357,7 +2371,7 @@
           <a:p>
             <a:fld id="{65DD7160-2520-4656-BE52-5DA2AE0F832B}" type="datetimeFigureOut">
               <a:rPr lang="nl-NL" smtClean="0"/>
-              <a:t>10-12-2015</a:t>
+              <a:t>11-12-2015</a:t>
             </a:fld>
             <a:endParaRPr lang="nl-NL"/>
           </a:p>
@@ -2570,7 +2584,7 @@
           <a:p>
             <a:fld id="{65DD7160-2520-4656-BE52-5DA2AE0F832B}" type="datetimeFigureOut">
               <a:rPr lang="nl-NL" smtClean="0"/>
-              <a:t>10-12-2015</a:t>
+              <a:t>11-12-2015</a:t>
             </a:fld>
             <a:endParaRPr lang="nl-NL"/>
           </a:p>
@@ -3193,8 +3207,13 @@
                   <a:schemeClr val="bg1"/>
                 </a:solidFill>
               </a:rPr>
-              <a:t>Random Genomen</a:t>
-            </a:r>
+              <a:t>Statistiek</a:t>
+            </a:r>
+            <a:endParaRPr lang="nl-NL" dirty="0" smtClean="0">
+              <a:solidFill>
+                <a:schemeClr val="bg1"/>
+              </a:solidFill>
+            </a:endParaRPr>
           </a:p>
           <a:p>
             <a:pPr marL="0" indent="0">
@@ -4116,15 +4135,7 @@
                   <a:schemeClr val="bg1"/>
                 </a:solidFill>
               </a:rPr>
-              <a:t>Verder met genomen met beste </a:t>
-            </a:r>
-            <a:r>
-              <a:rPr lang="nl-NL" dirty="0" smtClean="0">
-                <a:solidFill>
-                  <a:schemeClr val="bg1"/>
-                </a:solidFill>
-              </a:rPr>
-              <a:t>score</a:t>
+              <a:t>Verder met genomen met beste score</a:t>
             </a:r>
           </a:p>
           <a:p>
@@ -4172,7 +4183,31 @@
                   <a:schemeClr val="bg1"/>
                 </a:solidFill>
               </a:rPr>
-              <a:t>Totale Chunk grote / aantal verschillende elementen</a:t>
+              <a:t>Totale Chunk </a:t>
+            </a:r>
+            <a:r>
+              <a:rPr lang="nl-NL" dirty="0" smtClean="0">
+                <a:solidFill>
+                  <a:schemeClr val="bg1"/>
+                </a:solidFill>
+              </a:rPr>
+              <a:t>grootte</a:t>
+            </a:r>
+            <a:r>
+              <a:rPr lang="nl-NL" dirty="0" smtClean="0">
+                <a:solidFill>
+                  <a:schemeClr val="bg1"/>
+                </a:solidFill>
+              </a:rPr>
+              <a:t>/ </a:t>
+            </a:r>
+            <a:r>
+              <a:rPr lang="nl-NL" dirty="0" smtClean="0">
+                <a:solidFill>
+                  <a:schemeClr val="bg1"/>
+                </a:solidFill>
+              </a:rPr>
+              <a:t>aantal verschillende elementen</a:t>
             </a:r>
             <a:endParaRPr lang="nl-NL" dirty="0">
               <a:solidFill>
@@ -4334,7 +4369,7 @@
           <a:p>
             <a:r>
               <a:rPr lang="nl-NL" dirty="0" smtClean="0"/>
-              <a:t>Random genomen</a:t>
+              <a:t>Statistiek</a:t>
             </a:r>
             <a:endParaRPr lang="nl-NL" dirty="0"/>
           </a:p>
@@ -4355,10 +4390,36 @@
           <a:bodyPr/>
           <a:lstStyle/>
           <a:p>
-            <a:pPr marL="0" indent="0">
-              <a:buNone/>
-            </a:pPr>
+            <a:r>
+              <a:rPr lang="nl-NL" dirty="0" smtClean="0"/>
+              <a:t>Elementscore en aantal mutaties nodig correleren (r = 0,46)</a:t>
+            </a:r>
             <a:endParaRPr lang="nl-NL" dirty="0"/>
+          </a:p>
+          <a:p>
+            <a:r>
+              <a:rPr lang="nl-NL" dirty="0" smtClean="0"/>
+              <a:t>Verklaart waarom chunkbehoudende algortime beter scoort</a:t>
+            </a:r>
+          </a:p>
+          <a:p>
+            <a:endParaRPr lang="nl-NL" dirty="0"/>
+          </a:p>
+          <a:p>
+            <a:r>
+              <a:rPr lang="nl-NL" dirty="0" smtClean="0"/>
+              <a:t>Aantal genen totaal verplaatst correleert zeer sterk met gemiddelde grootte van mutaties (r = 0,84)</a:t>
+            </a:r>
+          </a:p>
+          <a:p>
+            <a:r>
+              <a:rPr lang="nl-NL" dirty="0" smtClean="0"/>
+              <a:t>Logisch, maar wel een zet in goede richting voor algoritme om kortste swaplengte te vinden</a:t>
+            </a:r>
+            <a:endParaRPr lang="nl-NL" dirty="0" smtClean="0"/>
+          </a:p>
+          <a:p>
+            <a:endParaRPr lang="nl-NL" dirty="0" smtClean="0"/>
           </a:p>
         </p:txBody>
       </p:sp>
@@ -4494,7 +4555,7 @@
     </a:clrScheme>
     <a:fontScheme name="Office">
       <a:majorFont>
-        <a:latin typeface="Calibri Light" panose="020F0302020204030204"/>
+        <a:latin typeface="Calibri Light"/>
         <a:ea typeface=""/>
         <a:cs typeface=""/>
         <a:font script="Jpan" typeface="ＭＳ Ｐゴシック"/>
@@ -4529,7 +4590,7 @@
         <a:font script="Geor" typeface="Sylfaen"/>
       </a:majorFont>
       <a:minorFont>
-        <a:latin typeface="Calibri" panose="020F0502020204030204"/>
+        <a:latin typeface="Calibri"/>
         <a:ea typeface=""/>
         <a:cs typeface=""/>
         <a:font script="Jpan" typeface="ＭＳ Ｐゴシック"/>
@@ -4706,7 +4767,7 @@
   <a:extraClrSchemeLst/>
   <a:extLst>
     <a:ext uri="{05A4C25C-085E-4340-85A3-A5531E510DB2}">
-      <thm15:themeFamily xmlns:thm15="http://schemas.microsoft.com/office/thememl/2012/main" name="Office Theme" id="{62F939B6-93AF-4DB8-9C6B-D6C7DFDC589F}" vid="{4A3C46E8-61CC-4603-A589-7422A47A8E4A}"/>
+      <thm15:themeFamily xmlns:thm15="http://schemas.microsoft.com/office/thememl/2012/main" xmlns="" name="Office Theme" id="{62F939B6-93AF-4DB8-9C6B-D6C7DFDC589F}" vid="{4A3C46E8-61CC-4603-A589-7422A47A8E4A}"/>
     </a:ext>
   </a:extLst>
 </a:theme>

--- a/Fruitvliegen_week7.pptx
+++ b/Fruitvliegen_week7.pptx
@@ -17,16 +17,16 @@
   <p:notesSz cx="6858000" cy="9144000"/>
   <p:embeddedFontLst>
     <p:embeddedFont>
-      <p:font typeface="Calibri Light" pitchFamily="34" charset="0"/>
+      <p:font typeface="Calibri" panose="020F0502020204030204" pitchFamily="34" charset="0"/>
       <p:regular r:id="rId9"/>
-      <p:italic r:id="rId10"/>
+      <p:bold r:id="rId10"/>
+      <p:italic r:id="rId11"/>
+      <p:boldItalic r:id="rId12"/>
     </p:embeddedFont>
     <p:embeddedFont>
-      <p:font typeface="Calibri" pitchFamily="34" charset="0"/>
-      <p:regular r:id="rId11"/>
-      <p:bold r:id="rId12"/>
-      <p:italic r:id="rId13"/>
-      <p:boldItalic r:id="rId14"/>
+      <p:font typeface="Calibri Light" panose="020F0302020204030204" pitchFamily="34" charset="0"/>
+      <p:regular r:id="rId13"/>
+      <p:italic r:id="rId14"/>
     </p:embeddedFont>
   </p:embeddedFontLst>
   <p:defaultTextStyle>
@@ -126,7 +126,18 @@
   </p:defaultTextStyle>
   <p:extLst>
     <p:ext uri="{EFAFB233-063F-42B5-8137-9DF3F51BA10A}">
-      <p15:sldGuideLst xmlns:p15="http://schemas.microsoft.com/office/powerpoint/2012/main" xmlns=""/>
+      <p15:sldGuideLst xmlns:p15="http://schemas.microsoft.com/office/powerpoint/2012/main">
+        <p15:guide id="1" orient="horz" pos="2160">
+          <p15:clr>
+            <a:srgbClr val="A4A3A4"/>
+          </p15:clr>
+        </p15:guide>
+        <p15:guide id="2" pos="3840">
+          <p15:clr>
+            <a:srgbClr val="A4A3A4"/>
+          </p15:clr>
+        </p15:guide>
+      </p15:sldGuideLst>
     </p:ext>
   </p:extLst>
 </p:presentation>
@@ -3209,11 +3220,6 @@
               </a:rPr>
               <a:t>Statistiek</a:t>
             </a:r>
-            <a:endParaRPr lang="nl-NL" dirty="0" smtClean="0">
-              <a:solidFill>
-                <a:schemeClr val="bg1"/>
-              </a:solidFill>
-            </a:endParaRPr>
           </a:p>
           <a:p>
             <a:pPr marL="0" indent="0">
@@ -4183,31 +4189,7 @@
                   <a:schemeClr val="bg1"/>
                 </a:solidFill>
               </a:rPr>
-              <a:t>Totale Chunk </a:t>
-            </a:r>
-            <a:r>
-              <a:rPr lang="nl-NL" dirty="0" smtClean="0">
-                <a:solidFill>
-                  <a:schemeClr val="bg1"/>
-                </a:solidFill>
-              </a:rPr>
-              <a:t>grootte</a:t>
-            </a:r>
-            <a:r>
-              <a:rPr lang="nl-NL" dirty="0" smtClean="0">
-                <a:solidFill>
-                  <a:schemeClr val="bg1"/>
-                </a:solidFill>
-              </a:rPr>
-              <a:t>/ </a:t>
-            </a:r>
-            <a:r>
-              <a:rPr lang="nl-NL" dirty="0" smtClean="0">
-                <a:solidFill>
-                  <a:schemeClr val="bg1"/>
-                </a:solidFill>
-              </a:rPr>
-              <a:t>aantal verschillende elementen</a:t>
+              <a:t>Totale Chunk grootte/ aantal verschillende elementen</a:t>
             </a:r>
             <a:endParaRPr lang="nl-NL" dirty="0">
               <a:solidFill>
@@ -4338,6 +4320,14 @@
 <file path=ppt/slides/slide6.xml><?xml version="1.0" encoding="utf-8"?>
 <p:sld xmlns:a="http://schemas.openxmlformats.org/drawingml/2006/main" xmlns:r="http://schemas.openxmlformats.org/officeDocument/2006/relationships" xmlns:p="http://schemas.openxmlformats.org/presentationml/2006/main">
   <p:cSld>
+    <p:bg>
+      <p:bgPr>
+        <a:solidFill>
+          <a:schemeClr val="tx1"/>
+        </a:solidFill>
+        <a:effectLst/>
+      </p:bgPr>
+    </p:bg>
     <p:spTree>
       <p:nvGrpSpPr>
         <p:cNvPr id="1" name=""/>
@@ -4368,10 +4358,18 @@
           <a:lstStyle/>
           <a:p>
             <a:r>
-              <a:rPr lang="nl-NL" dirty="0" smtClean="0"/>
+              <a:rPr lang="nl-NL" dirty="0" smtClean="0">
+                <a:solidFill>
+                  <a:schemeClr val="bg1"/>
+                </a:solidFill>
+              </a:rPr>
               <a:t>Statistiek</a:t>
             </a:r>
-            <a:endParaRPr lang="nl-NL" dirty="0"/>
+            <a:endParaRPr lang="nl-NL" dirty="0">
+              <a:solidFill>
+                <a:schemeClr val="bg1"/>
+              </a:solidFill>
+            </a:endParaRPr>
           </a:p>
         </p:txBody>
       </p:sp>
@@ -4391,35 +4389,62 @@
           <a:lstStyle/>
           <a:p>
             <a:r>
-              <a:rPr lang="nl-NL" dirty="0" smtClean="0"/>
+              <a:rPr lang="nl-NL" dirty="0" smtClean="0">
+                <a:solidFill>
+                  <a:schemeClr val="bg1"/>
+                </a:solidFill>
+              </a:rPr>
               <a:t>Elementscore en aantal mutaties nodig correleren (r = 0,46)</a:t>
             </a:r>
-            <a:endParaRPr lang="nl-NL" dirty="0"/>
-          </a:p>
-          <a:p>
-            <a:r>
-              <a:rPr lang="nl-NL" dirty="0" smtClean="0"/>
+            <a:endParaRPr lang="nl-NL" dirty="0">
+              <a:solidFill>
+                <a:schemeClr val="bg1"/>
+              </a:solidFill>
+            </a:endParaRPr>
+          </a:p>
+          <a:p>
+            <a:r>
+              <a:rPr lang="nl-NL" dirty="0" smtClean="0">
+                <a:solidFill>
+                  <a:schemeClr val="bg1"/>
+                </a:solidFill>
+              </a:rPr>
               <a:t>Verklaart waarom chunkbehoudende algortime beter scoort</a:t>
             </a:r>
           </a:p>
           <a:p>
-            <a:endParaRPr lang="nl-NL" dirty="0"/>
-          </a:p>
-          <a:p>
-            <a:r>
-              <a:rPr lang="nl-NL" dirty="0" smtClean="0"/>
+            <a:endParaRPr lang="nl-NL" dirty="0">
+              <a:solidFill>
+                <a:schemeClr val="bg1"/>
+              </a:solidFill>
+            </a:endParaRPr>
+          </a:p>
+          <a:p>
+            <a:r>
+              <a:rPr lang="nl-NL" dirty="0" smtClean="0">
+                <a:solidFill>
+                  <a:schemeClr val="bg1"/>
+                </a:solidFill>
+              </a:rPr>
               <a:t>Aantal genen totaal verplaatst correleert zeer sterk met gemiddelde grootte van mutaties (r = 0,84)</a:t>
             </a:r>
           </a:p>
           <a:p>
             <a:r>
-              <a:rPr lang="nl-NL" dirty="0" smtClean="0"/>
+              <a:rPr lang="nl-NL" dirty="0" smtClean="0">
+                <a:solidFill>
+                  <a:schemeClr val="bg1"/>
+                </a:solidFill>
+              </a:rPr>
               <a:t>Logisch, maar wel een zet in goede richting voor algoritme om kortste swaplengte te vinden</a:t>
             </a:r>
-            <a:endParaRPr lang="nl-NL" dirty="0" smtClean="0"/>
-          </a:p>
-          <a:p>
-            <a:endParaRPr lang="nl-NL" dirty="0" smtClean="0"/>
+          </a:p>
+          <a:p>
+            <a:endParaRPr lang="nl-NL" dirty="0" smtClean="0">
+              <a:solidFill>
+                <a:schemeClr val="bg1"/>
+              </a:solidFill>
+            </a:endParaRPr>
           </a:p>
         </p:txBody>
       </p:sp>
@@ -4439,6 +4464,14 @@
 <file path=ppt/slides/slide7.xml><?xml version="1.0" encoding="utf-8"?>
 <p:sld xmlns:a="http://schemas.openxmlformats.org/drawingml/2006/main" xmlns:r="http://schemas.openxmlformats.org/officeDocument/2006/relationships" xmlns:p="http://schemas.openxmlformats.org/presentationml/2006/main">
   <p:cSld>
+    <p:bg>
+      <p:bgPr>
+        <a:solidFill>
+          <a:schemeClr val="tx1"/>
+        </a:solidFill>
+        <a:effectLst/>
+      </p:bgPr>
+    </p:bg>
     <p:spTree>
       <p:nvGrpSpPr>
         <p:cNvPr id="1" name=""/>
@@ -4469,10 +4502,18 @@
           <a:lstStyle/>
           <a:p>
             <a:r>
-              <a:rPr lang="nl-NL" dirty="0" smtClean="0"/>
+              <a:rPr lang="nl-NL" dirty="0" smtClean="0">
+                <a:solidFill>
+                  <a:schemeClr val="bg1"/>
+                </a:solidFill>
+              </a:rPr>
               <a:t>Totale inversiegrootte</a:t>
             </a:r>
-            <a:endParaRPr lang="nl-NL" dirty="0"/>
+            <a:endParaRPr lang="nl-NL" dirty="0">
+              <a:solidFill>
+                <a:schemeClr val="bg1"/>
+              </a:solidFill>
+            </a:endParaRPr>
           </a:p>
         </p:txBody>
       </p:sp>
@@ -4492,10 +4533,68 @@
           <a:lstStyle/>
           <a:p>
             <a:r>
-              <a:rPr lang="nl-NL" dirty="0" smtClean="0"/>
-              <a:t>Sorteren in 5 groepen</a:t>
-            </a:r>
-            <a:endParaRPr lang="nl-NL" dirty="0"/>
+              <a:rPr lang="nl-NL" dirty="0" smtClean="0">
+                <a:solidFill>
+                  <a:schemeClr val="bg1"/>
+                </a:solidFill>
+              </a:rPr>
+              <a:t>Genomen waarbij genen relatief op de goede plek staan worden met minder grote mutaties gesorteerd.</a:t>
+            </a:r>
+            <a:endParaRPr lang="nl-NL" dirty="0" smtClean="0">
+              <a:solidFill>
+                <a:schemeClr val="bg1"/>
+              </a:solidFill>
+            </a:endParaRPr>
+          </a:p>
+          <a:p>
+            <a:r>
+              <a:rPr lang="nl-NL" dirty="0" smtClean="0">
+                <a:solidFill>
+                  <a:schemeClr val="bg1"/>
+                </a:solidFill>
+              </a:rPr>
+              <a:t>Sorteren </a:t>
+            </a:r>
+            <a:r>
+              <a:rPr lang="nl-NL" dirty="0" smtClean="0">
+                <a:solidFill>
+                  <a:schemeClr val="bg1"/>
+                </a:solidFill>
+              </a:rPr>
+              <a:t>in 5 </a:t>
+            </a:r>
+            <a:r>
+              <a:rPr lang="nl-NL" dirty="0" smtClean="0">
+                <a:solidFill>
+                  <a:schemeClr val="bg1"/>
+                </a:solidFill>
+              </a:rPr>
+              <a:t>groepen</a:t>
+            </a:r>
+          </a:p>
+          <a:p>
+            <a:r>
+              <a:rPr lang="nl-NL" dirty="0" smtClean="0">
+                <a:solidFill>
+                  <a:schemeClr val="bg1"/>
+                </a:solidFill>
+              </a:rPr>
+              <a:t>Na sorteren, al 127 totale inversiegrootte</a:t>
+            </a:r>
+          </a:p>
+          <a:p>
+            <a:endParaRPr lang="nl-NL" dirty="0">
+              <a:solidFill>
+                <a:schemeClr val="bg1"/>
+              </a:solidFill>
+            </a:endParaRPr>
+          </a:p>
+          <a:p>
+            <a:endParaRPr lang="nl-NL" dirty="0">
+              <a:solidFill>
+                <a:schemeClr val="bg1"/>
+              </a:solidFill>
+            </a:endParaRPr>
           </a:p>
         </p:txBody>
       </p:sp>
@@ -4767,7 +4866,7 @@
   <a:extraClrSchemeLst/>
   <a:extLst>
     <a:ext uri="{05A4C25C-085E-4340-85A3-A5531E510DB2}">
-      <thm15:themeFamily xmlns:thm15="http://schemas.microsoft.com/office/thememl/2012/main" xmlns="" name="Office Theme" id="{62F939B6-93AF-4DB8-9C6B-D6C7DFDC589F}" vid="{4A3C46E8-61CC-4603-A589-7422A47A8E4A}"/>
+      <thm15:themeFamily xmlns:thm15="http://schemas.microsoft.com/office/thememl/2012/main" name="Office Theme" id="{62F939B6-93AF-4DB8-9C6B-D6C7DFDC589F}" vid="{4A3C46E8-61CC-4603-A589-7422A47A8E4A}"/>
     </a:ext>
   </a:extLst>
 </a:theme>

--- a/Fruitvliegen_week7.pptx
+++ b/Fruitvliegen_week7.pptx
@@ -3109,6 +3109,13 @@
   <p:clrMapOvr>
     <a:masterClrMapping/>
   </p:clrMapOvr>
+  <p:timing>
+    <p:tnLst>
+      <p:par>
+        <p:cTn id="1" dur="indefinite" restart="never" nodeType="tmRoot"/>
+      </p:par>
+    </p:tnLst>
+  </p:timing>
 </p:sld>
 </file>
 
@@ -3251,6 +3258,13 @@
   <p:clrMapOvr>
     <a:masterClrMapping/>
   </p:clrMapOvr>
+  <p:timing>
+    <p:tnLst>
+      <p:par>
+        <p:cTn id="1" dur="indefinite" restart="never" nodeType="tmRoot"/>
+      </p:par>
+    </p:tnLst>
+  </p:timing>
 </p:sld>
 </file>
 
@@ -3659,6 +3673,13 @@
   <p:clrMapOvr>
     <a:masterClrMapping/>
   </p:clrMapOvr>
+  <p:timing>
+    <p:tnLst>
+      <p:par>
+        <p:cTn id="1" dur="indefinite" restart="never" nodeType="tmRoot"/>
+      </p:par>
+    </p:tnLst>
+  </p:timing>
 </p:sld>
 </file>
 
@@ -4051,6 +4072,13 @@
   <p:clrMapOvr>
     <a:masterClrMapping/>
   </p:clrMapOvr>
+  <p:timing>
+    <p:tnLst>
+      <p:par>
+        <p:cTn id="1" dur="indefinite" restart="never" nodeType="tmRoot"/>
+      </p:par>
+    </p:tnLst>
+  </p:timing>
 </p:sld>
 </file>
 
@@ -4314,6 +4342,13 @@
   <p:clrMapOvr>
     <a:masterClrMapping/>
   </p:clrMapOvr>
+  <p:timing>
+    <p:tnLst>
+      <p:par>
+        <p:cTn id="1" dur="indefinite" restart="never" nodeType="tmRoot"/>
+      </p:par>
+    </p:tnLst>
+  </p:timing>
 </p:sld>
 </file>
 
@@ -4458,6 +4493,13 @@
   <p:clrMapOvr>
     <a:masterClrMapping/>
   </p:clrMapOvr>
+  <p:timing>
+    <p:tnLst>
+      <p:par>
+        <p:cTn id="1" dur="indefinite" restart="never" nodeType="tmRoot"/>
+      </p:par>
+    </p:tnLst>
+  </p:timing>
 </p:sld>
 </file>
 
@@ -4540,36 +4582,15 @@
               </a:rPr>
               <a:t>Genomen waarbij genen relatief op de goede plek staan worden met minder grote mutaties gesorteerd.</a:t>
             </a:r>
-            <a:endParaRPr lang="nl-NL" dirty="0" smtClean="0">
-              <a:solidFill>
-                <a:schemeClr val="bg1"/>
-              </a:solidFill>
-            </a:endParaRPr>
-          </a:p>
-          <a:p>
-            <a:r>
-              <a:rPr lang="nl-NL" dirty="0" smtClean="0">
-                <a:solidFill>
-                  <a:schemeClr val="bg1"/>
-                </a:solidFill>
-              </a:rPr>
-              <a:t>Sorteren </a:t>
-            </a:r>
-            <a:r>
-              <a:rPr lang="nl-NL" dirty="0" smtClean="0">
-                <a:solidFill>
-                  <a:schemeClr val="bg1"/>
-                </a:solidFill>
-              </a:rPr>
-              <a:t>in 5 </a:t>
-            </a:r>
-            <a:r>
-              <a:rPr lang="nl-NL" dirty="0" smtClean="0">
-                <a:solidFill>
-                  <a:schemeClr val="bg1"/>
-                </a:solidFill>
-              </a:rPr>
-              <a:t>groepen</a:t>
+          </a:p>
+          <a:p>
+            <a:r>
+              <a:rPr lang="nl-NL" dirty="0" smtClean="0">
+                <a:solidFill>
+                  <a:schemeClr val="bg1"/>
+                </a:solidFill>
+              </a:rPr>
+              <a:t>Sorteren in 5 groepen</a:t>
             </a:r>
           </a:p>
           <a:p>
@@ -4608,6 +4629,13 @@
   <p:clrMapOvr>
     <a:masterClrMapping/>
   </p:clrMapOvr>
+  <p:timing>
+    <p:tnLst>
+      <p:par>
+        <p:cTn id="1" dur="indefinite" restart="never" nodeType="tmRoot"/>
+      </p:par>
+    </p:tnLst>
+  </p:timing>
 </p:sld>
 </file>
 
